--- a/Week 2/JAC444_Week2_Fundamental Concepts and Classes in Java(1).pptx
+++ b/Week 2/JAC444_Week2_Fundamental Concepts and Classes in Java(1).pptx
@@ -231,7 +231,7 @@
           <a:p>
             <a:fld id="{0B49775B-8F53-4D6D-8CF3-A5EC3380B11F}" type="datetimeFigureOut">
               <a:rPr lang="en-US" smtClean="0"/>
-              <a:t>1/9/2019</a:t>
+              <a:t>5/31/2021</a:t>
             </a:fld>
             <a:endParaRPr lang="en-US"/>
           </a:p>
@@ -4601,19 +4601,19 @@
                 <a:ea typeface="+mn-ea"/>
                 <a:cs typeface="+mn-cs"/>
               </a:rPr>
-              <a:t>[] = {"s1", "s2", "s3</a:t>
-            </a:r>
-            <a:r>
-              <a:rPr lang="en-US" sz="1200" b="0" i="0" kern="1200">
-                <a:solidFill>
-                  <a:schemeClr val="tx1"/>
-                </a:solidFill>
-                <a:effectLst/>
-                <a:latin typeface="+mn-lt"/>
-                <a:ea typeface="+mn-ea"/>
-                <a:cs typeface="+mn-cs"/>
-              </a:rPr>
-              <a:t>"}; sa is an </a:t>
+              <a:t>[] = {"s1", "s2", "s3"}; </a:t>
+            </a:r>
+            <a:r>
+              <a:rPr lang="en-US" sz="1200" b="0" i="0" kern="1200" dirty="0" err="1">
+                <a:solidFill>
+                  <a:schemeClr val="tx1"/>
+                </a:solidFill>
+                <a:effectLst/>
+                <a:latin typeface="+mn-lt"/>
+                <a:ea typeface="+mn-ea"/>
+                <a:cs typeface="+mn-cs"/>
+              </a:rPr>
+              <a:t>sa</a:t>
             </a:r>
             <a:r>
               <a:rPr lang="en-US" sz="1200" b="0" i="0" kern="1200" dirty="0">
@@ -4625,29 +4625,8 @@
                 <a:ea typeface="+mn-ea"/>
                 <a:cs typeface="+mn-cs"/>
               </a:rPr>
-              <a:t>array </a:t>
-            </a:r>
-            <a:r>
-              <a:rPr lang="en-US" sz="1200" b="0" i="0" kern="1200">
-                <a:solidFill>
-                  <a:schemeClr val="tx1"/>
-                </a:solidFill>
-                <a:effectLst/>
-                <a:latin typeface="+mn-lt"/>
-                <a:ea typeface="+mn-ea"/>
-                <a:cs typeface="+mn-cs"/>
-              </a:rPr>
-              <a:t>of arrays</a:t>
-            </a:r>
-            <a:endParaRPr lang="en-US" sz="1200" b="0" i="0" kern="1200" dirty="0">
-              <a:solidFill>
-                <a:schemeClr val="tx1"/>
-              </a:solidFill>
-              <a:effectLst/>
-              <a:latin typeface="+mn-lt"/>
-              <a:ea typeface="+mn-ea"/>
-              <a:cs typeface="+mn-cs"/>
-            </a:endParaRPr>
+              <a:t> is an array of arrays</a:t>
+            </a:r>
           </a:p>
           <a:p>
             <a:r>
@@ -5663,7 +5642,7 @@
           <a:p>
             <a:fld id="{E9B07471-B472-4C3F-B46F-D347BD4AB42B}" type="datetimeFigureOut">
               <a:rPr lang="en-CA" smtClean="0"/>
-              <a:t>2019-01-09</a:t>
+              <a:t>2021-05-31</a:t>
             </a:fld>
             <a:endParaRPr lang="en-CA"/>
           </a:p>
@@ -5980,7 +5959,7 @@
           <a:p>
             <a:fld id="{E9B07471-B472-4C3F-B46F-D347BD4AB42B}" type="datetimeFigureOut">
               <a:rPr lang="en-CA" smtClean="0"/>
-              <a:t>2019-01-09</a:t>
+              <a:t>2021-05-31</a:t>
             </a:fld>
             <a:endParaRPr lang="en-CA"/>
           </a:p>
@@ -6254,7 +6233,7 @@
           <a:p>
             <a:fld id="{E9B07471-B472-4C3F-B46F-D347BD4AB42B}" type="datetimeFigureOut">
               <a:rPr lang="en-CA" smtClean="0"/>
-              <a:t>2019-01-09</a:t>
+              <a:t>2021-05-31</a:t>
             </a:fld>
             <a:endParaRPr lang="en-CA"/>
           </a:p>
@@ -6559,7 +6538,7 @@
           <a:p>
             <a:fld id="{E9B07471-B472-4C3F-B46F-D347BD4AB42B}" type="datetimeFigureOut">
               <a:rPr lang="en-CA" smtClean="0"/>
-              <a:t>2019-01-09</a:t>
+              <a:t>2021-05-31</a:t>
             </a:fld>
             <a:endParaRPr lang="en-CA"/>
           </a:p>
@@ -6722,7 +6701,7 @@
           <a:p>
             <a:fld id="{E9B07471-B472-4C3F-B46F-D347BD4AB42B}" type="datetimeFigureOut">
               <a:rPr lang="en-CA" smtClean="0"/>
-              <a:t>2019-01-09</a:t>
+              <a:t>2021-05-31</a:t>
             </a:fld>
             <a:endParaRPr lang="en-CA"/>
           </a:p>
@@ -6897,7 +6876,7 @@
           <a:p>
             <a:fld id="{E9B07471-B472-4C3F-B46F-D347BD4AB42B}" type="datetimeFigureOut">
               <a:rPr lang="en-CA" smtClean="0"/>
-              <a:t>2019-01-09</a:t>
+              <a:t>2021-05-31</a:t>
             </a:fld>
             <a:endParaRPr lang="en-CA"/>
           </a:p>
@@ -7060,7 +7039,7 @@
           <a:p>
             <a:fld id="{E9B07471-B472-4C3F-B46F-D347BD4AB42B}" type="datetimeFigureOut">
               <a:rPr lang="en-CA" smtClean="0"/>
-              <a:t>2019-01-09</a:t>
+              <a:t>2021-05-31</a:t>
             </a:fld>
             <a:endParaRPr lang="en-CA"/>
           </a:p>
@@ -7178,7 +7157,7 @@
           <a:p>
             <a:fld id="{E9B07471-B472-4C3F-B46F-D347BD4AB42B}" type="datetimeFigureOut">
               <a:rPr lang="en-CA" smtClean="0"/>
-              <a:t>2019-01-09</a:t>
+              <a:t>2021-05-31</a:t>
             </a:fld>
             <a:endParaRPr lang="en-CA"/>
           </a:p>
@@ -7537,7 +7516,7 @@
           <a:p>
             <a:fld id="{E9B07471-B472-4C3F-B46F-D347BD4AB42B}" type="datetimeFigureOut">
               <a:rPr lang="en-CA" smtClean="0"/>
-              <a:t>2019-01-09</a:t>
+              <a:t>2021-05-31</a:t>
             </a:fld>
             <a:endParaRPr lang="en-CA"/>
           </a:p>
@@ -7861,7 +7840,7 @@
           <a:p>
             <a:fld id="{E9B07471-B472-4C3F-B46F-D347BD4AB42B}" type="datetimeFigureOut">
               <a:rPr lang="en-CA" smtClean="0"/>
-              <a:t>2019-01-09</a:t>
+              <a:t>2021-05-31</a:t>
             </a:fld>
             <a:endParaRPr lang="en-CA"/>
           </a:p>
@@ -8062,7 +8041,7 @@
           <a:p>
             <a:fld id="{E9B07471-B472-4C3F-B46F-D347BD4AB42B}" type="datetimeFigureOut">
               <a:rPr lang="en-CA" smtClean="0"/>
-              <a:t>2019-01-09</a:t>
+              <a:t>2021-05-31</a:t>
             </a:fld>
             <a:endParaRPr lang="en-CA"/>
           </a:p>
@@ -8556,7 +8535,7 @@
           <a:p>
             <a:fld id="{E9B07471-B472-4C3F-B46F-D347BD4AB42B}" type="datetimeFigureOut">
               <a:rPr lang="en-CA" smtClean="0"/>
-              <a:t>2019-01-09</a:t>
+              <a:t>2021-05-31</a:t>
             </a:fld>
             <a:endParaRPr lang="en-CA"/>
           </a:p>
@@ -8703,7 +8682,7 @@
           <a:p>
             <a:fld id="{E9B07471-B472-4C3F-B46F-D347BD4AB42B}" type="datetimeFigureOut">
               <a:rPr lang="en-CA" smtClean="0"/>
-              <a:t>2019-01-09</a:t>
+              <a:t>2021-05-31</a:t>
             </a:fld>
             <a:endParaRPr lang="en-CA"/>
           </a:p>
@@ -8793,7 +8772,7 @@
           <a:p>
             <a:fld id="{E9B07471-B472-4C3F-B46F-D347BD4AB42B}" type="datetimeFigureOut">
               <a:rPr lang="en-CA" smtClean="0"/>
-              <a:t>2019-01-09</a:t>
+              <a:t>2021-05-31</a:t>
             </a:fld>
             <a:endParaRPr lang="en-CA"/>
           </a:p>
@@ -9091,7 +9070,7 @@
           <a:p>
             <a:fld id="{E9B07471-B472-4C3F-B46F-D347BD4AB42B}" type="datetimeFigureOut">
               <a:rPr lang="en-CA" smtClean="0"/>
-              <a:t>2019-01-09</a:t>
+              <a:t>2021-05-31</a:t>
             </a:fld>
             <a:endParaRPr lang="en-CA"/>
           </a:p>
@@ -11359,7 +11338,7 @@
               <a:buChar char="o"/>
             </a:pPr>
             <a:r>
-              <a:rPr lang="en-US" dirty="0"/>
+              <a:rPr lang="en-US" b="1" dirty="0"/>
               <a:t>When the program which uses the class is loaded</a:t>
             </a:r>
           </a:p>
@@ -13009,7 +12988,7 @@
               <a:buAutoNum type="arabicPeriod"/>
             </a:pPr>
             <a:r>
-              <a:rPr lang="en-US" dirty="0">
+              <a:rPr lang="en-US" b="1" dirty="0">
                 <a:latin typeface="Courier New" panose="02070309020205020404" pitchFamily="49" charset="0"/>
                 <a:cs typeface="Courier New" panose="02070309020205020404" pitchFamily="49" charset="0"/>
               </a:rPr>
@@ -13055,7 +13034,7 @@
               <a:buAutoNum type="arabicPeriod"/>
             </a:pPr>
             <a:r>
-              <a:rPr lang="en-US" dirty="0">
+              <a:rPr lang="en-US" b="1" dirty="0">
                 <a:latin typeface="Courier New" panose="02070309020205020404" pitchFamily="49" charset="0"/>
                 <a:cs typeface="Courier New" panose="02070309020205020404" pitchFamily="49" charset="0"/>
               </a:rPr>
@@ -13067,7 +13046,7 @@
               <a:buFont typeface="+mj-lt"/>
               <a:buAutoNum type="arabicPeriod"/>
             </a:pPr>
-            <a:endParaRPr lang="en-US" dirty="0">
+            <a:endParaRPr lang="en-US" b="1" dirty="0">
               <a:latin typeface="Courier New" panose="02070309020205020404" pitchFamily="49" charset="0"/>
               <a:cs typeface="Courier New" panose="02070309020205020404" pitchFamily="49" charset="0"/>
             </a:endParaRPr>
@@ -13930,7 +13909,7 @@
               <a:buAutoNum type="arabicPeriod"/>
             </a:pPr>
             <a:r>
-              <a:rPr lang="en-US" dirty="0"/>
+              <a:rPr lang="en-US" b="1" dirty="0"/>
               <a:t>compares the contents of the reference variables themselves</a:t>
             </a:r>
           </a:p>
@@ -14336,21 +14315,21 @@
               <a:buAutoNum type="arabicPeriod"/>
             </a:pPr>
             <a:r>
-              <a:rPr lang="en-US" dirty="0">
+              <a:rPr lang="en-US" b="1" dirty="0">
                 <a:latin typeface="Courier New" panose="02070309020205020404" pitchFamily="49" charset="0"/>
                 <a:cs typeface="Courier New" panose="02070309020205020404" pitchFamily="49" charset="0"/>
               </a:rPr>
               <a:t>String[] </a:t>
             </a:r>
             <a:r>
-              <a:rPr lang="en-US" dirty="0" err="1">
+              <a:rPr lang="en-US" b="1" dirty="0" err="1">
                 <a:latin typeface="Courier New" panose="02070309020205020404" pitchFamily="49" charset="0"/>
                 <a:cs typeface="Courier New" panose="02070309020205020404" pitchFamily="49" charset="0"/>
               </a:rPr>
               <a:t>sa</a:t>
             </a:r>
             <a:r>
-              <a:rPr lang="en-US" dirty="0">
+              <a:rPr lang="en-US" b="1" dirty="0">
                 <a:latin typeface="Courier New" panose="02070309020205020404" pitchFamily="49" charset="0"/>
                 <a:cs typeface="Courier New" panose="02070309020205020404" pitchFamily="49" charset="0"/>
               </a:rPr>
@@ -14390,21 +14369,21 @@
               <a:buAutoNum type="arabicPeriod"/>
             </a:pPr>
             <a:r>
-              <a:rPr lang="en-US" dirty="0">
+              <a:rPr lang="en-US" b="1" dirty="0">
                 <a:latin typeface="Courier New" panose="02070309020205020404" pitchFamily="49" charset="0"/>
                 <a:cs typeface="Courier New" panose="02070309020205020404" pitchFamily="49" charset="0"/>
               </a:rPr>
               <a:t>String </a:t>
             </a:r>
             <a:r>
-              <a:rPr lang="en-US" dirty="0" err="1">
+              <a:rPr lang="en-US" b="1" dirty="0" err="1">
                 <a:latin typeface="Courier New" panose="02070309020205020404" pitchFamily="49" charset="0"/>
                 <a:cs typeface="Courier New" panose="02070309020205020404" pitchFamily="49" charset="0"/>
               </a:rPr>
               <a:t>sa</a:t>
             </a:r>
             <a:r>
-              <a:rPr lang="en-US" dirty="0">
+              <a:rPr lang="en-US" b="1" dirty="0">
                 <a:latin typeface="Courier New" panose="02070309020205020404" pitchFamily="49" charset="0"/>
                 <a:cs typeface="Courier New" panose="02070309020205020404" pitchFamily="49" charset="0"/>
               </a:rPr>
@@ -14684,21 +14663,21 @@
               <a:buAutoNum type="arabicPeriod"/>
             </a:pPr>
             <a:r>
-              <a:rPr lang="en-US" dirty="0">
+              <a:rPr lang="en-US" b="1" dirty="0">
                 <a:latin typeface="Courier New" panose="02070309020205020404" pitchFamily="49" charset="0"/>
                 <a:cs typeface="Courier New" panose="02070309020205020404" pitchFamily="49" charset="0"/>
               </a:rPr>
               <a:t>Y = </a:t>
             </a:r>
             <a:r>
-              <a:rPr lang="en-US" dirty="0" err="1">
+              <a:rPr lang="en-US" b="1" dirty="0" err="1">
                 <a:latin typeface="Courier New" panose="02070309020205020404" pitchFamily="49" charset="0"/>
                 <a:cs typeface="Courier New" panose="02070309020205020404" pitchFamily="49" charset="0"/>
               </a:rPr>
               <a:t>X.substring</a:t>
             </a:r>
             <a:r>
-              <a:rPr lang="en-US" dirty="0">
+              <a:rPr lang="en-US" b="1" dirty="0">
                 <a:latin typeface="Courier New" panose="02070309020205020404" pitchFamily="49" charset="0"/>
                 <a:cs typeface="Courier New" panose="02070309020205020404" pitchFamily="49" charset="0"/>
               </a:rPr>
